--- a/Kafka Introduction.pptx
+++ b/Kafka Introduction.pptx
@@ -15868,7 +15868,7 @@
         <p:spPr>
           <a:xfrm>
             <a:off x="209007" y="2496437"/>
-            <a:ext cx="5886993" cy="1865126"/>
+            <a:ext cx="5886993" cy="1615827"/>
           </a:xfrm>
           <a:prstGeom prst="rect">
             <a:avLst/>
@@ -15914,7 +15914,26 @@
                 <a:effectLst/>
                 <a:latin typeface="source-serif-pro"/>
               </a:rPr>
-              <a:t>The Kafka Broker is nothing but just a server. In simple word, A broker is just an intermediate entity that helps in message exchanges between a producer and a consumer. For Kafka Producer, it acts as a receiver, and for Kafka Consumer, it acts as a sender. In the Kafka cluster, there can be one or more Kafka brokers.</a:t>
+              <a:t>The Kafka Broker is nothing but just a server. In simple word, A broker is just an intermediate entity that helps in message exchanges between a producer and a consumer. For Kafka Producer</a:t>
+            </a:r>
+            <a:r>
+              <a:rPr lang="en-US" dirty="0">
+                <a:solidFill>
+                  <a:srgbClr val="292929"/>
+                </a:solidFill>
+                <a:latin typeface="source-serif-pro"/>
+              </a:rPr>
+              <a:t> </a:t>
+            </a:r>
+            <a:r>
+              <a:rPr lang="en-US" b="0" i="0" dirty="0">
+                <a:solidFill>
+                  <a:srgbClr val="292929"/>
+                </a:solidFill>
+                <a:effectLst/>
+                <a:latin typeface="source-serif-pro"/>
+              </a:rPr>
+              <a:t>acts as a sender and Consumer acts as a receiver. In the Kafka cluster, there can be one or more Kafka brokers.</a:t>
             </a:r>
             <a:endParaRPr lang="en-US" sz="1800" b="0" i="0" dirty="0">
               <a:effectLst/>
@@ -16236,13 +16255,13 @@
   <p:clrMapOvr>
     <a:masterClrMapping/>
   </p:clrMapOvr>
-  <mc:AlternateContent xmlns:mc="http://schemas.openxmlformats.org/markup-compatibility/2006">
-    <mc:Choice xmlns:p159="http://schemas.microsoft.com/office/powerpoint/2015/09/main" Requires="p159">
+  <mc:AlternateContent xmlns:mc="http://schemas.openxmlformats.org/markup-compatibility/2006" xmlns:p159="http://schemas.microsoft.com/office/powerpoint/2015/09/main">
+    <mc:Choice Requires="p159">
       <p:transition xmlns:p14="http://schemas.microsoft.com/office/powerpoint/2010/main" spd="slow" p14:dur="2000">
         <p159:morph option="byObject"/>
       </p:transition>
     </mc:Choice>
-    <mc:Fallback>
+    <mc:Fallback xmlns="">
       <p:transition spd="slow">
         <p:fade/>
       </p:transition>
